--- a/L5/5gcc-gdb-make.pptx
+++ b/L5/5gcc-gdb-make.pptx
@@ -34,6 +34,7 @@
     <p:sldId id="279" r:id="rId31"/>
     <p:sldId id="280" r:id="rId32"/>
     <p:sldId id="281" r:id="rId33"/>
+    <p:sldId id="282" r:id="rId34"/>
   </p:sldIdLst>
   <p:sldSz cx="24384000" cy="13716000"/>
   <p:notesSz cx="6858000" cy="9144000"/>
@@ -6739,6 +6740,104 @@
 </p:sld>
 </file>
 
+<file path=ppt/slides/slide27.xml><?xml version="1.0" encoding="utf-8"?>
+<p:sld xmlns:a="http://schemas.openxmlformats.org/drawingml/2006/main" xmlns:r="http://schemas.openxmlformats.org/officeDocument/2006/relationships" xmlns:p="http://schemas.openxmlformats.org/presentationml/2006/main" showMasterSp="1" showMasterPhAnim="1">
+  <p:cSld>
+    <p:spTree>
+      <p:nvGrpSpPr>
+        <p:cNvPr id="1" name=""/>
+        <p:cNvGrpSpPr/>
+        <p:nvPr/>
+      </p:nvGrpSpPr>
+      <p:grpSpPr>
+        <a:xfrm>
+          <a:off x="0" y="0"/>
+          <a:ext cx="0" cy="0"/>
+          <a:chOff x="0" y="0"/>
+          <a:chExt cx="0" cy="0"/>
+        </a:xfrm>
+      </p:grpSpPr>
+      <p:sp>
+        <p:nvSpPr>
+          <p:cNvPr id="206" name="Shape 206"/>
+          <p:cNvSpPr/>
+          <p:nvPr>
+            <p:ph type="title"/>
+          </p:nvPr>
+        </p:nvSpPr>
+        <p:spPr>
+          <a:prstGeom prst="rect">
+            <a:avLst/>
+          </a:prstGeom>
+        </p:spPr>
+        <p:txBody>
+          <a:bodyPr/>
+          <a:lstStyle/>
+          <a:p>
+            <a:pPr/>
+            <a:r>
+              <a:t>实验</a:t>
+            </a:r>
+          </a:p>
+        </p:txBody>
+      </p:sp>
+      <p:sp>
+        <p:nvSpPr>
+          <p:cNvPr id="207" name="Shape 207"/>
+          <p:cNvSpPr/>
+          <p:nvPr>
+            <p:ph type="body" idx="1"/>
+          </p:nvPr>
+        </p:nvSpPr>
+        <p:spPr>
+          <a:prstGeom prst="rect">
+            <a:avLst/>
+          </a:prstGeom>
+        </p:spPr>
+        <p:txBody>
+          <a:bodyPr/>
+          <a:lstStyle/>
+          <a:p>
+            <a:pPr/>
+            <a:r>
+              <a:t>wget https://github.com/mengning/menu/archive/b5b077336ad86ebdb5bf88012a1c44139eaaedc6.zip</a:t>
+            </a:r>
+          </a:p>
+          <a:p>
+            <a:pPr/>
+            <a:r>
+              <a:t>unzip b5b077336ad86ebdb5bf88012a1c44139eaaedc6.zip</a:t>
+            </a:r>
+          </a:p>
+          <a:p>
+            <a:pPr/>
+            <a:r>
+              <a:t>mv menu-b5b077336ad86ebdb5bf88012a1c44139eaaedc6/ menu</a:t>
+            </a:r>
+          </a:p>
+          <a:p>
+            <a:pPr/>
+            <a:r>
+              <a:t>cd menu</a:t>
+            </a:r>
+          </a:p>
+          <a:p>
+            <a:pPr/>
+            <a:r>
+              <a:t>以menu程序为例理解Makefile的执行过程以及gdb跟踪调试menu程序test</a:t>
+            </a:r>
+          </a:p>
+        </p:txBody>
+      </p:sp>
+    </p:spTree>
+  </p:cSld>
+  <p:clrMapOvr>
+    <a:masterClrMapping/>
+  </p:clrMapOvr>
+  <p:transition xmlns:p14="http://schemas.microsoft.com/office/powerpoint/2010/main" spd="med" advClick="1" p14:dur="1000"/>
+</p:sld>
+</file>
+
 <file path=ppt/slides/slide3.xml><?xml version="1.0" encoding="utf-8"?>
 <p:sld xmlns:a="http://schemas.openxmlformats.org/drawingml/2006/main" xmlns:r="http://schemas.openxmlformats.org/officeDocument/2006/relationships" xmlns:p="http://schemas.openxmlformats.org/presentationml/2006/main" showMasterSp="1" showMasterPhAnim="1">
   <p:cSld>
